--- a/database/slides/BLESSED_ARE_THEY.pptx
+++ b/database/slides/BLESSED_ARE_THEY.pptx
@@ -16312,7 +16312,13 @@
       </p:sp>
       <p:sp>
         <p:nvSpPr>
-          <p:cNvPr id="131" name="Google Shape;131;p25"/>
+          <p:cNvPr id="2" name="Google Shape;131;p25">
+            <a:extLst>
+              <a:ext uri="{FF2B5EF4-FFF2-40B4-BE49-F238E27FC236}">
+                <a16:creationId xmlns:a16="http://schemas.microsoft.com/office/drawing/2014/main" id="{FDEA7AEF-D129-A0C0-BAFA-6F272B6DE05B}"/>
+              </a:ext>
+            </a:extLst>
+          </p:cNvPr>
           <p:cNvSpPr txBox="1"/>
           <p:nvPr/>
         </p:nvSpPr>
@@ -16350,16 +16356,23 @@
               <a:buNone/>
             </a:pPr>
             <a:r>
-              <a:rPr lang="en-GB" sz="3600" b="1" i="1" dirty="0">
+              <a:rPr lang="en-GB" sz="3600" b="1" i="1">
                 <a:solidFill>
                   <a:srgbClr val="FFFF00"/>
                 </a:solidFill>
                 <a:latin typeface="Calibri"/>
                 <a:ea typeface="Calibri"/>
                 <a:cs typeface="Calibri"/>
+                <a:sym typeface="Calibri"/>
               </a:rPr>
               <a:t>contd..</a:t>
             </a:r>
+            <a:endParaRPr sz="3600">
+              <a:latin typeface="Calibri"/>
+              <a:ea typeface="Calibri"/>
+              <a:cs typeface="Calibri"/>
+              <a:sym typeface="Calibri"/>
+            </a:endParaRPr>
           </a:p>
         </p:txBody>
       </p:sp>
@@ -16632,7 +16645,13 @@
       </p:sp>
       <p:sp>
         <p:nvSpPr>
-          <p:cNvPr id="131" name="Google Shape;131;p25"/>
+          <p:cNvPr id="2" name="Google Shape;131;p25">
+            <a:extLst>
+              <a:ext uri="{FF2B5EF4-FFF2-40B4-BE49-F238E27FC236}">
+                <a16:creationId xmlns:a16="http://schemas.microsoft.com/office/drawing/2014/main" id="{28F22A44-CD77-0F9B-A454-B46389143E69}"/>
+              </a:ext>
+            </a:extLst>
+          </p:cNvPr>
           <p:cNvSpPr txBox="1"/>
           <p:nvPr/>
         </p:nvSpPr>
@@ -16670,16 +16689,23 @@
               <a:buNone/>
             </a:pPr>
             <a:r>
-              <a:rPr lang="en-GB" sz="3600" b="1" i="1" dirty="0">
+              <a:rPr lang="en-GB" sz="3600" b="1" i="1">
                 <a:solidFill>
                   <a:srgbClr val="FFFF00"/>
                 </a:solidFill>
                 <a:latin typeface="Calibri"/>
                 <a:ea typeface="Calibri"/>
                 <a:cs typeface="Calibri"/>
+                <a:sym typeface="Calibri"/>
               </a:rPr>
               <a:t>contd..</a:t>
             </a:r>
+            <a:endParaRPr sz="3600">
+              <a:latin typeface="Calibri"/>
+              <a:ea typeface="Calibri"/>
+              <a:cs typeface="Calibri"/>
+              <a:sym typeface="Calibri"/>
+            </a:endParaRPr>
           </a:p>
         </p:txBody>
       </p:sp>
@@ -16952,7 +16978,13 @@
       </p:sp>
       <p:sp>
         <p:nvSpPr>
-          <p:cNvPr id="131" name="Google Shape;131;p25"/>
+          <p:cNvPr id="2" name="Google Shape;131;p25">
+            <a:extLst>
+              <a:ext uri="{FF2B5EF4-FFF2-40B4-BE49-F238E27FC236}">
+                <a16:creationId xmlns:a16="http://schemas.microsoft.com/office/drawing/2014/main" id="{63445CB0-F71D-E313-494B-789EAB13E706}"/>
+              </a:ext>
+            </a:extLst>
+          </p:cNvPr>
           <p:cNvSpPr txBox="1"/>
           <p:nvPr/>
         </p:nvSpPr>
@@ -16990,16 +17022,23 @@
               <a:buNone/>
             </a:pPr>
             <a:r>
-              <a:rPr lang="en-GB" sz="3600" b="1" i="1" dirty="0">
+              <a:rPr lang="en-GB" sz="3600" b="1" i="1">
                 <a:solidFill>
                   <a:srgbClr val="FFFF00"/>
                 </a:solidFill>
                 <a:latin typeface="Calibri"/>
                 <a:ea typeface="Calibri"/>
                 <a:cs typeface="Calibri"/>
+                <a:sym typeface="Calibri"/>
               </a:rPr>
               <a:t>contd..</a:t>
             </a:r>
+            <a:endParaRPr sz="3600">
+              <a:latin typeface="Calibri"/>
+              <a:ea typeface="Calibri"/>
+              <a:cs typeface="Calibri"/>
+              <a:sym typeface="Calibri"/>
+            </a:endParaRPr>
           </a:p>
         </p:txBody>
       </p:sp>
@@ -17272,7 +17311,13 @@
       </p:sp>
       <p:sp>
         <p:nvSpPr>
-          <p:cNvPr id="131" name="Google Shape;131;p25"/>
+          <p:cNvPr id="2" name="Google Shape;131;p25">
+            <a:extLst>
+              <a:ext uri="{FF2B5EF4-FFF2-40B4-BE49-F238E27FC236}">
+                <a16:creationId xmlns:a16="http://schemas.microsoft.com/office/drawing/2014/main" id="{B50E6539-BB72-0F44-281A-45EAA230F778}"/>
+              </a:ext>
+            </a:extLst>
+          </p:cNvPr>
           <p:cNvSpPr txBox="1"/>
           <p:nvPr/>
         </p:nvSpPr>
@@ -17310,16 +17355,23 @@
               <a:buNone/>
             </a:pPr>
             <a:r>
-              <a:rPr lang="en-GB" sz="3600" b="1" i="1" dirty="0">
+              <a:rPr lang="en-GB" sz="3600" b="1" i="1">
                 <a:solidFill>
                   <a:srgbClr val="FFFF00"/>
                 </a:solidFill>
                 <a:latin typeface="Calibri"/>
                 <a:ea typeface="Calibri"/>
                 <a:cs typeface="Calibri"/>
+                <a:sym typeface="Calibri"/>
               </a:rPr>
               <a:t>contd..</a:t>
             </a:r>
+            <a:endParaRPr sz="3600">
+              <a:latin typeface="Calibri"/>
+              <a:ea typeface="Calibri"/>
+              <a:cs typeface="Calibri"/>
+              <a:sym typeface="Calibri"/>
+            </a:endParaRPr>
           </a:p>
         </p:txBody>
       </p:sp>
@@ -17592,7 +17644,13 @@
       </p:sp>
       <p:sp>
         <p:nvSpPr>
-          <p:cNvPr id="131" name="Google Shape;131;p25"/>
+          <p:cNvPr id="2" name="Google Shape;131;p25">
+            <a:extLst>
+              <a:ext uri="{FF2B5EF4-FFF2-40B4-BE49-F238E27FC236}">
+                <a16:creationId xmlns:a16="http://schemas.microsoft.com/office/drawing/2014/main" id="{F2C62041-9A7E-83A8-F373-D0952C340A4B}"/>
+              </a:ext>
+            </a:extLst>
+          </p:cNvPr>
           <p:cNvSpPr txBox="1"/>
           <p:nvPr/>
         </p:nvSpPr>
@@ -17630,16 +17688,23 @@
               <a:buNone/>
             </a:pPr>
             <a:r>
-              <a:rPr lang="en-GB" sz="3600" b="1" i="1" dirty="0">
+              <a:rPr lang="en-GB" sz="3600" b="1" i="1">
                 <a:solidFill>
                   <a:srgbClr val="FFFF00"/>
                 </a:solidFill>
                 <a:latin typeface="Calibri"/>
                 <a:ea typeface="Calibri"/>
                 <a:cs typeface="Calibri"/>
+                <a:sym typeface="Calibri"/>
               </a:rPr>
               <a:t>contd..</a:t>
             </a:r>
+            <a:endParaRPr sz="3600">
+              <a:latin typeface="Calibri"/>
+              <a:ea typeface="Calibri"/>
+              <a:cs typeface="Calibri"/>
+              <a:sym typeface="Calibri"/>
+            </a:endParaRPr>
           </a:p>
         </p:txBody>
       </p:sp>
@@ -17912,7 +17977,13 @@
       </p:sp>
       <p:sp>
         <p:nvSpPr>
-          <p:cNvPr id="131" name="Google Shape;131;p25"/>
+          <p:cNvPr id="2" name="Google Shape;131;p25">
+            <a:extLst>
+              <a:ext uri="{FF2B5EF4-FFF2-40B4-BE49-F238E27FC236}">
+                <a16:creationId xmlns:a16="http://schemas.microsoft.com/office/drawing/2014/main" id="{FB60C0D6-D881-3191-EB97-9FB8B5008E7D}"/>
+              </a:ext>
+            </a:extLst>
+          </p:cNvPr>
           <p:cNvSpPr txBox="1"/>
           <p:nvPr/>
         </p:nvSpPr>
@@ -17950,16 +18021,23 @@
               <a:buNone/>
             </a:pPr>
             <a:r>
-              <a:rPr lang="en-GB" sz="3600" b="1" i="1" dirty="0">
+              <a:rPr lang="en-GB" sz="3600" b="1" i="1">
                 <a:solidFill>
                   <a:srgbClr val="FFFF00"/>
                 </a:solidFill>
                 <a:latin typeface="Calibri"/>
                 <a:ea typeface="Calibri"/>
                 <a:cs typeface="Calibri"/>
+                <a:sym typeface="Calibri"/>
               </a:rPr>
               <a:t>contd..</a:t>
             </a:r>
+            <a:endParaRPr sz="3600">
+              <a:latin typeface="Calibri"/>
+              <a:ea typeface="Calibri"/>
+              <a:cs typeface="Calibri"/>
+              <a:sym typeface="Calibri"/>
+            </a:endParaRPr>
           </a:p>
         </p:txBody>
       </p:sp>
